--- a/15_Ch04_WhatSpring.pptx
+++ b/15_Ch04_WhatSpring.pptx
@@ -5,14 +5,17 @@
     <p:sldMasterId id="2147483648" r:id="rId1"/>
   </p:sldMasterIdLst>
   <p:notesMasterIdLst>
-    <p:notesMasterId r:id="rId7"/>
+    <p:notesMasterId r:id="rId10"/>
   </p:notesMasterIdLst>
   <p:sldIdLst>
     <p:sldId id="256" r:id="rId2"/>
     <p:sldId id="264" r:id="rId3"/>
     <p:sldId id="266" r:id="rId4"/>
     <p:sldId id="265" r:id="rId5"/>
-    <p:sldId id="259" r:id="rId6"/>
+    <p:sldId id="267" r:id="rId6"/>
+    <p:sldId id="268" r:id="rId7"/>
+    <p:sldId id="269" r:id="rId8"/>
+    <p:sldId id="259" r:id="rId9"/>
   </p:sldIdLst>
   <p:sldSz cx="9144000" cy="6858000" type="screen4x3"/>
   <p:notesSz cx="6858000" cy="9144000"/>
@@ -213,7 +216,7 @@
             <a:fld id="{6837EDA8-41C8-4B24-A206-13C08A65A6D7}" type="datetimeFigureOut">
               <a:rPr lang="zh-TW" altLang="en-US" smtClean="0"/>
               <a:pPr/>
-              <a:t>2019/4/26</a:t>
+              <a:t>2019/4/27</a:t>
             </a:fld>
             <a:endParaRPr lang="zh-TW" altLang="en-US"/>
           </a:p>
@@ -666,7 +669,7 @@
             <a:fld id="{8B85509C-BD4F-47BF-9B1E-FC2E949B3621}" type="datetime1">
               <a:rPr lang="zh-TW" altLang="en-US" smtClean="0"/>
               <a:pPr/>
-              <a:t>2019/4/26</a:t>
+              <a:t>2019/4/27</a:t>
             </a:fld>
             <a:endParaRPr lang="zh-TW" altLang="en-US"/>
           </a:p>
@@ -839,7 +842,7 @@
             <a:fld id="{42251B24-F787-4C15-8A0F-7AEC20C70069}" type="datetime1">
               <a:rPr lang="zh-TW" altLang="en-US" smtClean="0"/>
               <a:pPr/>
-              <a:t>2019/4/26</a:t>
+              <a:t>2019/4/27</a:t>
             </a:fld>
             <a:endParaRPr lang="zh-TW" altLang="en-US"/>
           </a:p>
@@ -1014,7 +1017,7 @@
             <a:fld id="{9CA0D33C-CE2B-45F1-B8D4-FFD1F131F331}" type="datetime1">
               <a:rPr lang="zh-TW" altLang="en-US" smtClean="0"/>
               <a:pPr/>
-              <a:t>2019/4/26</a:t>
+              <a:t>2019/4/27</a:t>
             </a:fld>
             <a:endParaRPr lang="zh-TW" altLang="en-US"/>
           </a:p>
@@ -1179,7 +1182,7 @@
             <a:fld id="{50B99440-D9EF-40CC-9B52-F6428D9B2C76}" type="datetime1">
               <a:rPr lang="zh-TW" altLang="en-US" smtClean="0"/>
               <a:pPr/>
-              <a:t>2019/4/26</a:t>
+              <a:t>2019/4/27</a:t>
             </a:fld>
             <a:endParaRPr lang="zh-TW" altLang="en-US"/>
           </a:p>
@@ -1421,7 +1424,7 @@
             <a:fld id="{0871BF52-5C6C-4959-8E27-CECB68D39FE4}" type="datetime1">
               <a:rPr lang="zh-TW" altLang="en-US" smtClean="0"/>
               <a:pPr/>
-              <a:t>2019/4/26</a:t>
+              <a:t>2019/4/27</a:t>
             </a:fld>
             <a:endParaRPr lang="zh-TW" altLang="en-US"/>
           </a:p>
@@ -1703,7 +1706,7 @@
             <a:fld id="{DF863F05-2DD9-4EB1-A827-12FD992DE9DC}" type="datetime1">
               <a:rPr lang="zh-TW" altLang="en-US" smtClean="0"/>
               <a:pPr/>
-              <a:t>2019/4/26</a:t>
+              <a:t>2019/4/27</a:t>
             </a:fld>
             <a:endParaRPr lang="zh-TW" altLang="en-US"/>
           </a:p>
@@ -2119,7 +2122,7 @@
             <a:fld id="{6339AF51-4491-4873-A096-75DB6CE47516}" type="datetime1">
               <a:rPr lang="zh-TW" altLang="en-US" smtClean="0"/>
               <a:pPr/>
-              <a:t>2019/4/26</a:t>
+              <a:t>2019/4/27</a:t>
             </a:fld>
             <a:endParaRPr lang="zh-TW" altLang="en-US"/>
           </a:p>
@@ -2233,7 +2236,7 @@
             <a:fld id="{EE4AD9C8-8B9E-40FF-ABE2-858AC2057BBB}" type="datetime1">
               <a:rPr lang="zh-TW" altLang="en-US" smtClean="0"/>
               <a:pPr/>
-              <a:t>2019/4/26</a:t>
+              <a:t>2019/4/27</a:t>
             </a:fld>
             <a:endParaRPr lang="zh-TW" altLang="en-US"/>
           </a:p>
@@ -2325,7 +2328,7 @@
             <a:fld id="{B4784999-BBBE-4BE4-A8D0-877E7D1D66CC}" type="datetime1">
               <a:rPr lang="zh-TW" altLang="en-US" smtClean="0"/>
               <a:pPr/>
-              <a:t>2019/4/26</a:t>
+              <a:t>2019/4/27</a:t>
             </a:fld>
             <a:endParaRPr lang="zh-TW" altLang="en-US"/>
           </a:p>
@@ -2597,7 +2600,7 @@
             <a:fld id="{E88D17E6-02BD-4944-B9FE-7BFCCBF83D48}" type="datetime1">
               <a:rPr lang="zh-TW" altLang="en-US" smtClean="0"/>
               <a:pPr/>
-              <a:t>2019/4/26</a:t>
+              <a:t>2019/4/27</a:t>
             </a:fld>
             <a:endParaRPr lang="zh-TW" altLang="en-US"/>
           </a:p>
@@ -2846,7 +2849,7 @@
             <a:fld id="{3C13E23D-1FEF-4D78-A3A3-3D6F2BB31954}" type="datetime1">
               <a:rPr lang="zh-TW" altLang="en-US" smtClean="0"/>
               <a:pPr/>
-              <a:t>2019/4/26</a:t>
+              <a:t>2019/4/27</a:t>
             </a:fld>
             <a:endParaRPr lang="zh-TW" altLang="en-US"/>
           </a:p>
@@ -3054,7 +3057,7 @@
             <a:fld id="{06197F35-AD6F-4594-8B50-334492D2E7E8}" type="datetime1">
               <a:rPr lang="zh-TW" altLang="en-US" smtClean="0"/>
               <a:pPr/>
-              <a:t>2019/4/26</a:t>
+              <a:t>2019/4/27</a:t>
             </a:fld>
             <a:endParaRPr lang="zh-TW" altLang="en-US"/>
           </a:p>
@@ -3515,7 +3518,7 @@
             <a:fld id="{C389EDC9-19E3-47AC-9C57-C6A24DEA81AD}" type="datetime1">
               <a:rPr lang="zh-TW" altLang="en-US" smtClean="0"/>
               <a:pPr/>
-              <a:t>2019/4/26</a:t>
+              <a:t>2019/4/27</a:t>
             </a:fld>
             <a:endParaRPr lang="zh-TW" altLang="en-US"/>
           </a:p>
@@ -3811,7 +3814,7 @@
             <a:fld id="{A4F910E6-8D00-4BAF-8C48-9688E0B449D3}" type="datetime1">
               <a:rPr lang="zh-TW" altLang="en-US" smtClean="0"/>
               <a:pPr/>
-              <a:t>2019/4/26</a:t>
+              <a:t>2019/4/27</a:t>
             </a:fld>
             <a:endParaRPr lang="zh-TW" altLang="en-US"/>
           </a:p>
@@ -4198,7 +4201,7 @@
             <a:fld id="{A4F910E6-8D00-4BAF-8C48-9688E0B449D3}" type="datetime1">
               <a:rPr lang="zh-TW" altLang="en-US" smtClean="0"/>
               <a:pPr/>
-              <a:t>2019/4/26</a:t>
+              <a:t>2019/4/27</a:t>
             </a:fld>
             <a:endParaRPr lang="zh-TW" altLang="en-US"/>
           </a:p>
@@ -4550,7 +4553,7 @@
             <a:fld id="{A4F910E6-8D00-4BAF-8C48-9688E0B449D3}" type="datetime1">
               <a:rPr lang="zh-TW" altLang="en-US" smtClean="0"/>
               <a:pPr/>
-              <a:t>2019/4/26</a:t>
+              <a:t>2019/4/27</a:t>
             </a:fld>
             <a:endParaRPr lang="zh-TW" altLang="en-US"/>
           </a:p>
@@ -4627,9 +4630,120 @@
         </p:nvSpPr>
         <p:spPr>
           <a:xfrm>
-            <a:off x="0" y="2130425"/>
-            <a:ext cx="9144000" cy="1470025"/>
-          </a:xfrm>
+            <a:off x="0" y="1"/>
+            <a:ext cx="9144000" cy="764704"/>
+          </a:xfrm>
+          <a:gradFill flip="none" rotWithShape="1">
+            <a:gsLst>
+              <a:gs pos="0">
+                <a:srgbClr val="C00000">
+                  <a:shade val="30000"/>
+                  <a:satMod val="115000"/>
+                </a:srgbClr>
+              </a:gs>
+              <a:gs pos="50000">
+                <a:srgbClr val="C00000">
+                  <a:shade val="67500"/>
+                  <a:satMod val="115000"/>
+                </a:srgbClr>
+              </a:gs>
+              <a:gs pos="100000">
+                <a:srgbClr val="C00000">
+                  <a:shade val="100000"/>
+                  <a:satMod val="115000"/>
+                </a:srgbClr>
+              </a:gs>
+            </a:gsLst>
+            <a:path path="circle">
+              <a:fillToRect t="100000" r="100000"/>
+            </a:path>
+            <a:tileRect l="-100000" b="-100000"/>
+          </a:gradFill>
+        </p:spPr>
+        <p:txBody>
+          <a:bodyPr/>
+          <a:lstStyle/>
+          <a:p>
+            <a:pPr algn="l"/>
+            <a:r>
+              <a:rPr lang="en-US" altLang="zh-TW" b="1" dirty="0">
+                <a:solidFill>
+                  <a:srgbClr val="FFFF00"/>
+                </a:solidFill>
+              </a:rPr>
+              <a:t>4 What is Spring?</a:t>
+            </a:r>
+            <a:endParaRPr lang="zh-TW" altLang="en-US" b="1" dirty="0">
+              <a:solidFill>
+                <a:srgbClr val="FFFF00"/>
+              </a:solidFill>
+            </a:endParaRPr>
+          </a:p>
+        </p:txBody>
+      </p:sp>
+      <p:sp>
+        <p:nvSpPr>
+          <p:cNvPr id="3" name="副標題 2"/>
+          <p:cNvSpPr>
+            <a:spLocks noGrp="1"/>
+          </p:cNvSpPr>
+          <p:nvPr>
+            <p:ph type="subTitle" idx="1"/>
+          </p:nvPr>
+        </p:nvSpPr>
+        <p:spPr>
+          <a:xfrm>
+            <a:off x="462837" y="1484784"/>
+            <a:ext cx="8352928" cy="398616"/>
+          </a:xfrm>
+          <a:ln>
+            <a:solidFill>
+              <a:srgbClr val="C00000"/>
+            </a:solidFill>
+          </a:ln>
+        </p:spPr>
+        <p:txBody>
+          <a:bodyPr>
+            <a:noAutofit/>
+          </a:bodyPr>
+          <a:lstStyle/>
+          <a:p>
+            <a:pPr marL="342900" indent="-342900" algn="l">
+              <a:buClr>
+                <a:srgbClr val="0070C0"/>
+              </a:buClr>
+              <a:buSzPct val="80000"/>
+              <a:buFont typeface="Wingdings" pitchFamily="2" charset="2"/>
+              <a:buChar char="u"/>
+            </a:pPr>
+            <a:r>
+              <a:rPr lang="en-US" altLang="zh-TW" sz="1600" b="1" dirty="0">
+                <a:solidFill>
+                  <a:schemeClr val="tx1"/>
+                </a:solidFill>
+                <a:latin typeface="+mj-lt"/>
+              </a:rPr>
+              <a:t>Problem with Spring:</a:t>
+            </a:r>
+          </a:p>
+        </p:txBody>
+      </p:sp>
+      <p:sp>
+        <p:nvSpPr>
+          <p:cNvPr id="4" name="標題 1"/>
+          <p:cNvSpPr txBox="1">
+            <a:spLocks/>
+          </p:cNvSpPr>
+          <p:nvPr/>
+        </p:nvSpPr>
+        <p:spPr>
+          <a:xfrm>
+            <a:off x="0" y="764704"/>
+            <a:ext cx="9144000" cy="398616"/>
+          </a:xfrm>
+          <a:prstGeom prst="rect">
+            <a:avLst/>
+          </a:prstGeom>
           <a:gradFill flip="none" rotWithShape="1">
             <a:gsLst>
               <a:gs pos="0">
@@ -4658,6 +4772,812 @@
           </a:gradFill>
         </p:spPr>
         <p:txBody>
+          <a:bodyPr vert="horz" lIns="91440" tIns="45720" rIns="91440" bIns="45720" rtlCol="0" anchor="ctr">
+            <a:normAutofit/>
+          </a:bodyPr>
+          <a:lstStyle/>
+          <a:p>
+            <a:r>
+              <a:rPr lang="en-US" sz="1600" dirty="0">
+                <a:hlinkClick r:id="rId2"/>
+              </a:rPr>
+              <a:t>https://www.youtube.com/watch?v=YXlSkWq04jk&amp;list=PLqq-6Pq4lTTbx8p2oCgcAQGQyqN8XeA1x&amp;index=4</a:t>
+            </a:r>
+            <a:endParaRPr lang="en-US" altLang="zh-TW" sz="1600" b="1" i="1" dirty="0"/>
+          </a:p>
+        </p:txBody>
+      </p:sp>
+      <p:sp>
+        <p:nvSpPr>
+          <p:cNvPr id="5" name="日期版面配置區 4"/>
+          <p:cNvSpPr>
+            <a:spLocks noGrp="1"/>
+          </p:cNvSpPr>
+          <p:nvPr>
+            <p:ph type="dt" sz="half" idx="10"/>
+          </p:nvPr>
+        </p:nvSpPr>
+        <p:spPr>
+          <a:xfrm>
+            <a:off x="457200" y="6356350"/>
+            <a:ext cx="2133600" cy="404246"/>
+          </a:xfrm>
+        </p:spPr>
+        <p:txBody>
+          <a:bodyPr/>
+          <a:lstStyle/>
+          <a:p>
+            <a:fld id="{A4F910E6-8D00-4BAF-8C48-9688E0B449D3}" type="datetime1">
+              <a:rPr lang="zh-TW" altLang="en-US" smtClean="0"/>
+              <a:pPr/>
+              <a:t>2019/4/27</a:t>
+            </a:fld>
+            <a:endParaRPr lang="zh-TW" altLang="en-US"/>
+          </a:p>
+        </p:txBody>
+      </p:sp>
+      <p:sp>
+        <p:nvSpPr>
+          <p:cNvPr id="6" name="投影片編號版面配置區 5"/>
+          <p:cNvSpPr>
+            <a:spLocks noGrp="1"/>
+          </p:cNvSpPr>
+          <p:nvPr>
+            <p:ph type="sldNum" sz="quarter" idx="12"/>
+          </p:nvPr>
+        </p:nvSpPr>
+        <p:spPr>
+          <a:xfrm>
+            <a:off x="6553200" y="6356350"/>
+            <a:ext cx="2133600" cy="404246"/>
+          </a:xfrm>
+        </p:spPr>
+        <p:txBody>
+          <a:bodyPr/>
+          <a:lstStyle/>
+          <a:p>
+            <a:fld id="{E4D7E63D-91F2-4366-A2C4-1B00C9E2590E}" type="slidenum">
+              <a:rPr lang="zh-TW" altLang="en-US" smtClean="0"/>
+              <a:pPr/>
+              <a:t>5</a:t>
+            </a:fld>
+            <a:endParaRPr lang="zh-TW" altLang="en-US"/>
+          </a:p>
+        </p:txBody>
+      </p:sp>
+      <p:pic>
+        <p:nvPicPr>
+          <p:cNvPr id="7" name="Picture 6">
+            <a:extLst>
+              <a:ext uri="{FF2B5EF4-FFF2-40B4-BE49-F238E27FC236}">
+                <a16:creationId xmlns:a16="http://schemas.microsoft.com/office/drawing/2014/main" id="{BEA010C3-EEAA-487C-95EA-2F384B91816E}"/>
+              </a:ext>
+            </a:extLst>
+          </p:cNvPr>
+          <p:cNvPicPr>
+            <a:picLocks noChangeAspect="1"/>
+          </p:cNvPicPr>
+          <p:nvPr/>
+        </p:nvPicPr>
+        <p:blipFill>
+          <a:blip r:embed="rId3"/>
+          <a:stretch>
+            <a:fillRect/>
+          </a:stretch>
+        </p:blipFill>
+        <p:spPr>
+          <a:xfrm>
+            <a:off x="2033587" y="2060848"/>
+            <a:ext cx="5076825" cy="4381500"/>
+          </a:xfrm>
+          <a:prstGeom prst="rect">
+            <a:avLst/>
+          </a:prstGeom>
+          <a:ln>
+            <a:solidFill>
+              <a:srgbClr val="C00000"/>
+            </a:solidFill>
+          </a:ln>
+        </p:spPr>
+      </p:pic>
+    </p:spTree>
+    <p:extLst>
+      <p:ext uri="{BB962C8B-B14F-4D97-AF65-F5344CB8AC3E}">
+        <p14:creationId xmlns:p14="http://schemas.microsoft.com/office/powerpoint/2010/main" val="1696344927"/>
+      </p:ext>
+    </p:extLst>
+  </p:cSld>
+  <p:clrMapOvr>
+    <a:masterClrMapping/>
+  </p:clrMapOvr>
+</p:sld>
+</file>
+
+<file path=ppt/slides/slide6.xml><?xml version="1.0" encoding="utf-8"?>
+<p:sld xmlns:a="http://schemas.openxmlformats.org/drawingml/2006/main" xmlns:r="http://schemas.openxmlformats.org/officeDocument/2006/relationships" xmlns:p="http://schemas.openxmlformats.org/presentationml/2006/main">
+  <p:cSld>
+    <p:spTree>
+      <p:nvGrpSpPr>
+        <p:cNvPr id="1" name=""/>
+        <p:cNvGrpSpPr/>
+        <p:nvPr/>
+      </p:nvGrpSpPr>
+      <p:grpSpPr>
+        <a:xfrm>
+          <a:off x="0" y="0"/>
+          <a:ext cx="0" cy="0"/>
+          <a:chOff x="0" y="0"/>
+          <a:chExt cx="0" cy="0"/>
+        </a:xfrm>
+      </p:grpSpPr>
+      <p:sp>
+        <p:nvSpPr>
+          <p:cNvPr id="2" name="標題 1"/>
+          <p:cNvSpPr>
+            <a:spLocks noGrp="1"/>
+          </p:cNvSpPr>
+          <p:nvPr>
+            <p:ph type="ctrTitle"/>
+          </p:nvPr>
+        </p:nvSpPr>
+        <p:spPr>
+          <a:xfrm>
+            <a:off x="0" y="1"/>
+            <a:ext cx="9144000" cy="764704"/>
+          </a:xfrm>
+          <a:gradFill flip="none" rotWithShape="1">
+            <a:gsLst>
+              <a:gs pos="0">
+                <a:srgbClr val="C00000">
+                  <a:shade val="30000"/>
+                  <a:satMod val="115000"/>
+                </a:srgbClr>
+              </a:gs>
+              <a:gs pos="50000">
+                <a:srgbClr val="C00000">
+                  <a:shade val="67500"/>
+                  <a:satMod val="115000"/>
+                </a:srgbClr>
+              </a:gs>
+              <a:gs pos="100000">
+                <a:srgbClr val="C00000">
+                  <a:shade val="100000"/>
+                  <a:satMod val="115000"/>
+                </a:srgbClr>
+              </a:gs>
+            </a:gsLst>
+            <a:path path="circle">
+              <a:fillToRect t="100000" r="100000"/>
+            </a:path>
+            <a:tileRect l="-100000" b="-100000"/>
+          </a:gradFill>
+        </p:spPr>
+        <p:txBody>
+          <a:bodyPr/>
+          <a:lstStyle/>
+          <a:p>
+            <a:pPr algn="l"/>
+            <a:r>
+              <a:rPr lang="en-US" altLang="zh-TW" b="1" dirty="0">
+                <a:solidFill>
+                  <a:srgbClr val="FFFF00"/>
+                </a:solidFill>
+              </a:rPr>
+              <a:t>4 What is Spring?</a:t>
+            </a:r>
+            <a:endParaRPr lang="zh-TW" altLang="en-US" b="1" dirty="0">
+              <a:solidFill>
+                <a:srgbClr val="FFFF00"/>
+              </a:solidFill>
+            </a:endParaRPr>
+          </a:p>
+        </p:txBody>
+      </p:sp>
+      <p:sp>
+        <p:nvSpPr>
+          <p:cNvPr id="3" name="副標題 2"/>
+          <p:cNvSpPr>
+            <a:spLocks noGrp="1"/>
+          </p:cNvSpPr>
+          <p:nvPr>
+            <p:ph type="subTitle" idx="1"/>
+          </p:nvPr>
+        </p:nvSpPr>
+        <p:spPr>
+          <a:xfrm>
+            <a:off x="462837" y="1484784"/>
+            <a:ext cx="8352928" cy="3600400"/>
+          </a:xfrm>
+          <a:ln>
+            <a:solidFill>
+              <a:srgbClr val="C00000"/>
+            </a:solidFill>
+          </a:ln>
+        </p:spPr>
+        <p:txBody>
+          <a:bodyPr>
+            <a:noAutofit/>
+          </a:bodyPr>
+          <a:lstStyle/>
+          <a:p>
+            <a:pPr marL="342900" indent="-342900" algn="l">
+              <a:buClr>
+                <a:srgbClr val="0070C0"/>
+              </a:buClr>
+              <a:buSzPct val="80000"/>
+              <a:buFont typeface="Wingdings" pitchFamily="2" charset="2"/>
+              <a:buChar char="u"/>
+            </a:pPr>
+            <a:r>
+              <a:rPr lang="en-US" altLang="zh-TW" sz="1600" b="1" dirty="0">
+                <a:solidFill>
+                  <a:schemeClr val="tx1"/>
+                </a:solidFill>
+                <a:latin typeface="+mj-lt"/>
+              </a:rPr>
+              <a:t>The first problem: Spring is a huge framework. Spring start trying to solve the common concerns that people could have when they are building enterprise applications. These common concerns are not just one thing. There are so many different things and ways in which you can build an enterprise application and Spring tried to address all those different ways and provide support for all those different ways. Spring become a huge framework in the process. How do I start with a Spring Application?</a:t>
+            </a:r>
+          </a:p>
+          <a:p>
+            <a:pPr marL="342900" indent="-342900" algn="l">
+              <a:buClr>
+                <a:srgbClr val="0070C0"/>
+              </a:buClr>
+              <a:buSzPct val="80000"/>
+              <a:buFont typeface="Wingdings" pitchFamily="2" charset="2"/>
+              <a:buChar char="u"/>
+            </a:pPr>
+            <a:r>
+              <a:rPr lang="en-US" altLang="zh-TW" sz="1600" b="1" dirty="0">
+                <a:solidFill>
+                  <a:schemeClr val="tx1"/>
+                </a:solidFill>
+                <a:latin typeface="+mj-lt"/>
+              </a:rPr>
+              <a:t>The second problem: Multiple setup steps. Spring can connect to MongoDB, can connect to DBMS, and etc. </a:t>
+            </a:r>
+          </a:p>
+          <a:p>
+            <a:pPr marL="342900" indent="-342900" algn="l">
+              <a:buClr>
+                <a:srgbClr val="0070C0"/>
+              </a:buClr>
+              <a:buSzPct val="80000"/>
+              <a:buFont typeface="Wingdings" pitchFamily="2" charset="2"/>
+              <a:buChar char="u"/>
+            </a:pPr>
+            <a:r>
+              <a:rPr lang="en-US" altLang="zh-TW" sz="1600" b="1" dirty="0">
+                <a:solidFill>
+                  <a:schemeClr val="tx1"/>
+                </a:solidFill>
+                <a:latin typeface="+mj-lt"/>
+              </a:rPr>
+              <a:t>The third problem: Since Spring does whole lot, it needs a whole lot of configuration for exactly you want to do. You required a lot of setup and configuration. </a:t>
+            </a:r>
+          </a:p>
+          <a:p>
+            <a:pPr marL="342900" indent="-342900" algn="l">
+              <a:buClr>
+                <a:srgbClr val="0070C0"/>
+              </a:buClr>
+              <a:buSzPct val="80000"/>
+              <a:buFont typeface="Wingdings" pitchFamily="2" charset="2"/>
+              <a:buChar char="u"/>
+            </a:pPr>
+            <a:r>
+              <a:rPr lang="en-US" altLang="zh-TW" sz="1600" b="1" dirty="0">
+                <a:solidFill>
+                  <a:schemeClr val="tx1"/>
+                </a:solidFill>
+                <a:latin typeface="+mj-lt"/>
+              </a:rPr>
+              <a:t>The fourth problem: You need to multiple build and deploy steps. The import things here is that Spring has a lot of capabilities and flexibilities. Capability and flexibility comes with the cost. Since Spring does a lot, you do not have really the starting point. There is no pathway for you to start with.</a:t>
+            </a:r>
+          </a:p>
+        </p:txBody>
+      </p:sp>
+      <p:sp>
+        <p:nvSpPr>
+          <p:cNvPr id="4" name="標題 1"/>
+          <p:cNvSpPr txBox="1">
+            <a:spLocks/>
+          </p:cNvSpPr>
+          <p:nvPr/>
+        </p:nvSpPr>
+        <p:spPr>
+          <a:xfrm>
+            <a:off x="0" y="764704"/>
+            <a:ext cx="9144000" cy="398616"/>
+          </a:xfrm>
+          <a:prstGeom prst="rect">
+            <a:avLst/>
+          </a:prstGeom>
+          <a:gradFill flip="none" rotWithShape="1">
+            <a:gsLst>
+              <a:gs pos="0">
+                <a:srgbClr val="00B0F0">
+                  <a:shade val="30000"/>
+                  <a:satMod val="115000"/>
+                </a:srgbClr>
+              </a:gs>
+              <a:gs pos="50000">
+                <a:srgbClr val="00B0F0">
+                  <a:shade val="67500"/>
+                  <a:satMod val="115000"/>
+                </a:srgbClr>
+              </a:gs>
+              <a:gs pos="100000">
+                <a:srgbClr val="00B0F0">
+                  <a:shade val="100000"/>
+                  <a:satMod val="115000"/>
+                </a:srgbClr>
+              </a:gs>
+            </a:gsLst>
+            <a:path path="circle">
+              <a:fillToRect t="100000" r="100000"/>
+            </a:path>
+            <a:tileRect l="-100000" b="-100000"/>
+          </a:gradFill>
+        </p:spPr>
+        <p:txBody>
+          <a:bodyPr vert="horz" lIns="91440" tIns="45720" rIns="91440" bIns="45720" rtlCol="0" anchor="ctr">
+            <a:normAutofit/>
+          </a:bodyPr>
+          <a:lstStyle/>
+          <a:p>
+            <a:r>
+              <a:rPr lang="en-US" sz="1600" dirty="0">
+                <a:hlinkClick r:id="rId2"/>
+              </a:rPr>
+              <a:t>https://www.youtube.com/watch?v=YXlSkWq04jk&amp;list=PLqq-6Pq4lTTbx8p2oCgcAQGQyqN8XeA1x&amp;index=4</a:t>
+            </a:r>
+            <a:endParaRPr lang="en-US" altLang="zh-TW" sz="1600" b="1" i="1" dirty="0"/>
+          </a:p>
+        </p:txBody>
+      </p:sp>
+      <p:sp>
+        <p:nvSpPr>
+          <p:cNvPr id="5" name="日期版面配置區 4"/>
+          <p:cNvSpPr>
+            <a:spLocks noGrp="1"/>
+          </p:cNvSpPr>
+          <p:nvPr>
+            <p:ph type="dt" sz="half" idx="10"/>
+          </p:nvPr>
+        </p:nvSpPr>
+        <p:spPr>
+          <a:xfrm>
+            <a:off x="457200" y="6356350"/>
+            <a:ext cx="2133600" cy="404246"/>
+          </a:xfrm>
+        </p:spPr>
+        <p:txBody>
+          <a:bodyPr/>
+          <a:lstStyle/>
+          <a:p>
+            <a:fld id="{A4F910E6-8D00-4BAF-8C48-9688E0B449D3}" type="datetime1">
+              <a:rPr lang="zh-TW" altLang="en-US" smtClean="0"/>
+              <a:pPr/>
+              <a:t>2019/4/27</a:t>
+            </a:fld>
+            <a:endParaRPr lang="zh-TW" altLang="en-US"/>
+          </a:p>
+        </p:txBody>
+      </p:sp>
+      <p:sp>
+        <p:nvSpPr>
+          <p:cNvPr id="6" name="投影片編號版面配置區 5"/>
+          <p:cNvSpPr>
+            <a:spLocks noGrp="1"/>
+          </p:cNvSpPr>
+          <p:nvPr>
+            <p:ph type="sldNum" sz="quarter" idx="12"/>
+          </p:nvPr>
+        </p:nvSpPr>
+        <p:spPr>
+          <a:xfrm>
+            <a:off x="6553200" y="6356350"/>
+            <a:ext cx="2133600" cy="404246"/>
+          </a:xfrm>
+        </p:spPr>
+        <p:txBody>
+          <a:bodyPr/>
+          <a:lstStyle/>
+          <a:p>
+            <a:fld id="{E4D7E63D-91F2-4366-A2C4-1B00C9E2590E}" type="slidenum">
+              <a:rPr lang="zh-TW" altLang="en-US" smtClean="0"/>
+              <a:pPr/>
+              <a:t>6</a:t>
+            </a:fld>
+            <a:endParaRPr lang="zh-TW" altLang="en-US"/>
+          </a:p>
+        </p:txBody>
+      </p:sp>
+    </p:spTree>
+    <p:extLst>
+      <p:ext uri="{BB962C8B-B14F-4D97-AF65-F5344CB8AC3E}">
+        <p14:creationId xmlns:p14="http://schemas.microsoft.com/office/powerpoint/2010/main" val="427914374"/>
+      </p:ext>
+    </p:extLst>
+  </p:cSld>
+  <p:clrMapOvr>
+    <a:masterClrMapping/>
+  </p:clrMapOvr>
+</p:sld>
+</file>
+
+<file path=ppt/slides/slide7.xml><?xml version="1.0" encoding="utf-8"?>
+<p:sld xmlns:a="http://schemas.openxmlformats.org/drawingml/2006/main" xmlns:r="http://schemas.openxmlformats.org/officeDocument/2006/relationships" xmlns:p="http://schemas.openxmlformats.org/presentationml/2006/main">
+  <p:cSld>
+    <p:spTree>
+      <p:nvGrpSpPr>
+        <p:cNvPr id="1" name=""/>
+        <p:cNvGrpSpPr/>
+        <p:nvPr/>
+      </p:nvGrpSpPr>
+      <p:grpSpPr>
+        <a:xfrm>
+          <a:off x="0" y="0"/>
+          <a:ext cx="0" cy="0"/>
+          <a:chOff x="0" y="0"/>
+          <a:chExt cx="0" cy="0"/>
+        </a:xfrm>
+      </p:grpSpPr>
+      <p:sp>
+        <p:nvSpPr>
+          <p:cNvPr id="2" name="標題 1"/>
+          <p:cNvSpPr>
+            <a:spLocks noGrp="1"/>
+          </p:cNvSpPr>
+          <p:nvPr>
+            <p:ph type="ctrTitle"/>
+          </p:nvPr>
+        </p:nvSpPr>
+        <p:spPr>
+          <a:xfrm>
+            <a:off x="0" y="1"/>
+            <a:ext cx="9144000" cy="764704"/>
+          </a:xfrm>
+          <a:gradFill flip="none" rotWithShape="1">
+            <a:gsLst>
+              <a:gs pos="0">
+                <a:srgbClr val="C00000">
+                  <a:shade val="30000"/>
+                  <a:satMod val="115000"/>
+                </a:srgbClr>
+              </a:gs>
+              <a:gs pos="50000">
+                <a:srgbClr val="C00000">
+                  <a:shade val="67500"/>
+                  <a:satMod val="115000"/>
+                </a:srgbClr>
+              </a:gs>
+              <a:gs pos="100000">
+                <a:srgbClr val="C00000">
+                  <a:shade val="100000"/>
+                  <a:satMod val="115000"/>
+                </a:srgbClr>
+              </a:gs>
+            </a:gsLst>
+            <a:path path="circle">
+              <a:fillToRect t="100000" r="100000"/>
+            </a:path>
+            <a:tileRect l="-100000" b="-100000"/>
+          </a:gradFill>
+        </p:spPr>
+        <p:txBody>
+          <a:bodyPr/>
+          <a:lstStyle/>
+          <a:p>
+            <a:pPr algn="l"/>
+            <a:r>
+              <a:rPr lang="en-US" altLang="zh-TW" b="1" dirty="0">
+                <a:solidFill>
+                  <a:srgbClr val="FFFF00"/>
+                </a:solidFill>
+              </a:rPr>
+              <a:t>4 What is Spring?</a:t>
+            </a:r>
+            <a:endParaRPr lang="zh-TW" altLang="en-US" b="1" dirty="0">
+              <a:solidFill>
+                <a:srgbClr val="FFFF00"/>
+              </a:solidFill>
+            </a:endParaRPr>
+          </a:p>
+        </p:txBody>
+      </p:sp>
+      <p:sp>
+        <p:nvSpPr>
+          <p:cNvPr id="3" name="副標題 2"/>
+          <p:cNvSpPr>
+            <a:spLocks noGrp="1"/>
+          </p:cNvSpPr>
+          <p:nvPr>
+            <p:ph type="subTitle" idx="1"/>
+          </p:nvPr>
+        </p:nvSpPr>
+        <p:spPr>
+          <a:xfrm>
+            <a:off x="462837" y="1484784"/>
+            <a:ext cx="8352928" cy="2664296"/>
+          </a:xfrm>
+          <a:ln>
+            <a:solidFill>
+              <a:srgbClr val="C00000"/>
+            </a:solidFill>
+          </a:ln>
+        </p:spPr>
+        <p:txBody>
+          <a:bodyPr>
+            <a:noAutofit/>
+          </a:bodyPr>
+          <a:lstStyle/>
+          <a:p>
+            <a:pPr marL="342900" indent="-342900" algn="l">
+              <a:buClr>
+                <a:srgbClr val="0070C0"/>
+              </a:buClr>
+              <a:buSzPct val="80000"/>
+              <a:buFont typeface="Wingdings" pitchFamily="2" charset="2"/>
+              <a:buChar char="u"/>
+            </a:pPr>
+            <a:r>
+              <a:rPr lang="en-US" altLang="zh-TW" sz="1600" b="1" dirty="0">
+                <a:solidFill>
+                  <a:schemeClr val="tx1"/>
+                </a:solidFill>
+                <a:latin typeface="+mj-lt"/>
+              </a:rPr>
+              <a:t>Can we abstract these steps? This is where Spring Boot comes in in handy. You could somehow abstract these steps out again back to the original promise of Spring. You want to have something that is abstracting away all these infrastructure concerns: all these setup and configuration concerns, and you just focus on your business logic. </a:t>
+            </a:r>
+          </a:p>
+          <a:p>
+            <a:pPr marL="342900" indent="-342900" algn="l">
+              <a:buClr>
+                <a:srgbClr val="0070C0"/>
+              </a:buClr>
+              <a:buSzPct val="80000"/>
+              <a:buFont typeface="Wingdings" pitchFamily="2" charset="2"/>
+              <a:buChar char="u"/>
+            </a:pPr>
+            <a:r>
+              <a:rPr lang="en-US" altLang="zh-TW" sz="1600" b="1" dirty="0">
+                <a:solidFill>
+                  <a:schemeClr val="tx1"/>
+                </a:solidFill>
+                <a:latin typeface="+mj-lt"/>
+              </a:rPr>
+              <a:t>There are 100 ways to build a Spring application but if only somebody could tell you that this is for 80% of the cases the right way to do it and then for the rest 20% you just configure it ant tweak it a little bit so it works differently.</a:t>
+            </a:r>
+          </a:p>
+          <a:p>
+            <a:pPr marL="342900" indent="-342900" algn="l">
+              <a:buClr>
+                <a:srgbClr val="0070C0"/>
+              </a:buClr>
+              <a:buSzPct val="80000"/>
+              <a:buFont typeface="Wingdings" pitchFamily="2" charset="2"/>
+              <a:buChar char="u"/>
+            </a:pPr>
+            <a:r>
+              <a:rPr lang="en-US" altLang="zh-TW" sz="1600" b="1" dirty="0">
+                <a:solidFill>
+                  <a:schemeClr val="tx1"/>
+                </a:solidFill>
+                <a:latin typeface="+mj-lt"/>
+              </a:rPr>
+              <a:t>This is the majority use case if you have some of an opinionated framework and opinionated configuration. This is the way you start with and then tweak it if necessary. That would be really good and that is what Spring Boot does.</a:t>
+            </a:r>
+          </a:p>
+          <a:p>
+            <a:pPr marL="342900" indent="-342900" algn="l">
+              <a:buClr>
+                <a:srgbClr val="0070C0"/>
+              </a:buClr>
+              <a:buSzPct val="80000"/>
+              <a:buFont typeface="Wingdings" pitchFamily="2" charset="2"/>
+              <a:buChar char="u"/>
+            </a:pPr>
+            <a:endParaRPr lang="en-US" altLang="zh-TW" sz="1600" b="1" dirty="0">
+              <a:solidFill>
+                <a:schemeClr val="tx1"/>
+              </a:solidFill>
+              <a:latin typeface="+mj-lt"/>
+            </a:endParaRPr>
+          </a:p>
+        </p:txBody>
+      </p:sp>
+      <p:sp>
+        <p:nvSpPr>
+          <p:cNvPr id="4" name="標題 1"/>
+          <p:cNvSpPr txBox="1">
+            <a:spLocks/>
+          </p:cNvSpPr>
+          <p:nvPr/>
+        </p:nvSpPr>
+        <p:spPr>
+          <a:xfrm>
+            <a:off x="0" y="764704"/>
+            <a:ext cx="9144000" cy="398616"/>
+          </a:xfrm>
+          <a:prstGeom prst="rect">
+            <a:avLst/>
+          </a:prstGeom>
+          <a:gradFill flip="none" rotWithShape="1">
+            <a:gsLst>
+              <a:gs pos="0">
+                <a:srgbClr val="00B0F0">
+                  <a:shade val="30000"/>
+                  <a:satMod val="115000"/>
+                </a:srgbClr>
+              </a:gs>
+              <a:gs pos="50000">
+                <a:srgbClr val="00B0F0">
+                  <a:shade val="67500"/>
+                  <a:satMod val="115000"/>
+                </a:srgbClr>
+              </a:gs>
+              <a:gs pos="100000">
+                <a:srgbClr val="00B0F0">
+                  <a:shade val="100000"/>
+                  <a:satMod val="115000"/>
+                </a:srgbClr>
+              </a:gs>
+            </a:gsLst>
+            <a:path path="circle">
+              <a:fillToRect t="100000" r="100000"/>
+            </a:path>
+            <a:tileRect l="-100000" b="-100000"/>
+          </a:gradFill>
+        </p:spPr>
+        <p:txBody>
+          <a:bodyPr vert="horz" lIns="91440" tIns="45720" rIns="91440" bIns="45720" rtlCol="0" anchor="ctr">
+            <a:normAutofit/>
+          </a:bodyPr>
+          <a:lstStyle/>
+          <a:p>
+            <a:r>
+              <a:rPr lang="en-US" sz="1600" dirty="0">
+                <a:hlinkClick r:id="rId2"/>
+              </a:rPr>
+              <a:t>https://www.youtube.com/watch?v=YXlSkWq04jk&amp;list=PLqq-6Pq4lTTbx8p2oCgcAQGQyqN8XeA1x&amp;index=4</a:t>
+            </a:r>
+            <a:endParaRPr lang="en-US" altLang="zh-TW" sz="1600" b="1" i="1" dirty="0"/>
+          </a:p>
+        </p:txBody>
+      </p:sp>
+      <p:sp>
+        <p:nvSpPr>
+          <p:cNvPr id="5" name="日期版面配置區 4"/>
+          <p:cNvSpPr>
+            <a:spLocks noGrp="1"/>
+          </p:cNvSpPr>
+          <p:nvPr>
+            <p:ph type="dt" sz="half" idx="10"/>
+          </p:nvPr>
+        </p:nvSpPr>
+        <p:spPr>
+          <a:xfrm>
+            <a:off x="457200" y="6356350"/>
+            <a:ext cx="2133600" cy="404246"/>
+          </a:xfrm>
+        </p:spPr>
+        <p:txBody>
+          <a:bodyPr/>
+          <a:lstStyle/>
+          <a:p>
+            <a:fld id="{A4F910E6-8D00-4BAF-8C48-9688E0B449D3}" type="datetime1">
+              <a:rPr lang="zh-TW" altLang="en-US" smtClean="0"/>
+              <a:pPr/>
+              <a:t>2019/4/27</a:t>
+            </a:fld>
+            <a:endParaRPr lang="zh-TW" altLang="en-US"/>
+          </a:p>
+        </p:txBody>
+      </p:sp>
+      <p:sp>
+        <p:nvSpPr>
+          <p:cNvPr id="6" name="投影片編號版面配置區 5"/>
+          <p:cNvSpPr>
+            <a:spLocks noGrp="1"/>
+          </p:cNvSpPr>
+          <p:nvPr>
+            <p:ph type="sldNum" sz="quarter" idx="12"/>
+          </p:nvPr>
+        </p:nvSpPr>
+        <p:spPr>
+          <a:xfrm>
+            <a:off x="6553200" y="6356350"/>
+            <a:ext cx="2133600" cy="404246"/>
+          </a:xfrm>
+        </p:spPr>
+        <p:txBody>
+          <a:bodyPr/>
+          <a:lstStyle/>
+          <a:p>
+            <a:fld id="{E4D7E63D-91F2-4366-A2C4-1B00C9E2590E}" type="slidenum">
+              <a:rPr lang="zh-TW" altLang="en-US" smtClean="0"/>
+              <a:pPr/>
+              <a:t>7</a:t>
+            </a:fld>
+            <a:endParaRPr lang="zh-TW" altLang="en-US"/>
+          </a:p>
+        </p:txBody>
+      </p:sp>
+    </p:spTree>
+    <p:extLst>
+      <p:ext uri="{BB962C8B-B14F-4D97-AF65-F5344CB8AC3E}">
+        <p14:creationId xmlns:p14="http://schemas.microsoft.com/office/powerpoint/2010/main" val="60595368"/>
+      </p:ext>
+    </p:extLst>
+  </p:cSld>
+  <p:clrMapOvr>
+    <a:masterClrMapping/>
+  </p:clrMapOvr>
+</p:sld>
+</file>
+
+<file path=ppt/slides/slide8.xml><?xml version="1.0" encoding="utf-8"?>
+<p:sld xmlns:a="http://schemas.openxmlformats.org/drawingml/2006/main" xmlns:r="http://schemas.openxmlformats.org/officeDocument/2006/relationships" xmlns:p="http://schemas.openxmlformats.org/presentationml/2006/main">
+  <p:cSld>
+    <p:spTree>
+      <p:nvGrpSpPr>
+        <p:cNvPr id="1" name=""/>
+        <p:cNvGrpSpPr/>
+        <p:nvPr/>
+      </p:nvGrpSpPr>
+      <p:grpSpPr>
+        <a:xfrm>
+          <a:off x="0" y="0"/>
+          <a:ext cx="0" cy="0"/>
+          <a:chOff x="0" y="0"/>
+          <a:chExt cx="0" cy="0"/>
+        </a:xfrm>
+      </p:grpSpPr>
+      <p:sp>
+        <p:nvSpPr>
+          <p:cNvPr id="2" name="標題 1"/>
+          <p:cNvSpPr>
+            <a:spLocks noGrp="1"/>
+          </p:cNvSpPr>
+          <p:nvPr>
+            <p:ph type="ctrTitle"/>
+          </p:nvPr>
+        </p:nvSpPr>
+        <p:spPr>
+          <a:xfrm>
+            <a:off x="0" y="2130425"/>
+            <a:ext cx="9144000" cy="1470025"/>
+          </a:xfrm>
+          <a:gradFill flip="none" rotWithShape="1">
+            <a:gsLst>
+              <a:gs pos="0">
+                <a:srgbClr val="00B0F0">
+                  <a:shade val="30000"/>
+                  <a:satMod val="115000"/>
+                </a:srgbClr>
+              </a:gs>
+              <a:gs pos="50000">
+                <a:srgbClr val="00B0F0">
+                  <a:shade val="67500"/>
+                  <a:satMod val="115000"/>
+                </a:srgbClr>
+              </a:gs>
+              <a:gs pos="100000">
+                <a:srgbClr val="00B0F0">
+                  <a:shade val="100000"/>
+                  <a:satMod val="115000"/>
+                </a:srgbClr>
+              </a:gs>
+            </a:gsLst>
+            <a:path path="circle">
+              <a:fillToRect t="100000" r="100000"/>
+            </a:path>
+            <a:tileRect l="-100000" b="-100000"/>
+          </a:gradFill>
+        </p:spPr>
+        <p:txBody>
           <a:bodyPr>
             <a:normAutofit/>
           </a:bodyPr>
@@ -4697,7 +5617,7 @@
             <a:fld id="{4E46BE27-E923-4EC2-B046-3272AE2A3E5C}" type="datetime1">
               <a:rPr lang="zh-TW" altLang="en-US" smtClean="0"/>
               <a:pPr/>
-              <a:t>2019/4/26</a:t>
+              <a:t>2019/4/27</a:t>
             </a:fld>
             <a:endParaRPr lang="zh-TW" altLang="en-US"/>
           </a:p>
@@ -4721,7 +5641,7 @@
             <a:fld id="{E4D7E63D-91F2-4366-A2C4-1B00C9E2590E}" type="slidenum">
               <a:rPr lang="zh-TW" altLang="en-US" smtClean="0"/>
               <a:pPr/>
-              <a:t>5</a:t>
+              <a:t>8</a:t>
             </a:fld>
             <a:endParaRPr lang="zh-TW" altLang="en-US"/>
           </a:p>
